--- a/docs/Präsentation/PowerPoint-IMS.pptx
+++ b/docs/Präsentation/PowerPoint-IMS.pptx
@@ -5,11 +5,17 @@
     <p:sldMasterId id="2147483648" r:id="rId1"/>
   </p:sldMasterIdLst>
   <p:notesMasterIdLst>
-    <p:notesMasterId r:id="rId4"/>
+    <p:notesMasterId r:id="rId10"/>
   </p:notesMasterIdLst>
   <p:sldIdLst>
     <p:sldId id="256" r:id="rId2"/>
     <p:sldId id="258" r:id="rId3"/>
+    <p:sldId id="259" r:id="rId4"/>
+    <p:sldId id="260" r:id="rId5"/>
+    <p:sldId id="261" r:id="rId6"/>
+    <p:sldId id="262" r:id="rId7"/>
+    <p:sldId id="264" r:id="rId8"/>
+    <p:sldId id="263" r:id="rId9"/>
   </p:sldIdLst>
   <p:sldSz cx="12192000" cy="6858000"/>
   <p:notesSz cx="6858000" cy="9144000"/>
@@ -108,6 +114,11 @@
       </a:defRPr>
     </a:lvl9pPr>
   </p:defaultTextStyle>
+  <p:extLst>
+    <p:ext uri="{EFAFB233-063F-42B5-8137-9DF3F51BA10A}">
+      <p15:sldGuideLst xmlns:p15="http://schemas.microsoft.com/office/powerpoint/2012/main"/>
+    </p:ext>
+  </p:extLst>
 </p:presentation>
 </file>
 
@@ -193,7 +204,7 @@
           <a:p>
             <a:fld id="{37D604C2-7A26-49CF-8C52-BD1B6A840E6D}" type="datetimeFigureOut">
               <a:rPr lang="de-DE" smtClean="0"/>
-              <a:t>05.03.2021</a:t>
+              <a:t>24.03.2021</a:t>
             </a:fld>
             <a:endParaRPr lang="de-DE"/>
           </a:p>
@@ -257,38 +268,37 @@
           <a:p>
             <a:pPr lvl="0"/>
             <a:r>
-              <a:rPr lang="de-DE" smtClean="0"/>
+              <a:rPr lang="de-DE"/>
               <a:t>Formatvorlagen des Textmasters bearbeiten</a:t>
             </a:r>
           </a:p>
           <a:p>
             <a:pPr lvl="1"/>
             <a:r>
-              <a:rPr lang="de-DE" smtClean="0"/>
+              <a:rPr lang="de-DE"/>
               <a:t>Zweite Ebene</a:t>
             </a:r>
           </a:p>
           <a:p>
             <a:pPr lvl="2"/>
             <a:r>
-              <a:rPr lang="de-DE" smtClean="0"/>
+              <a:rPr lang="de-DE"/>
               <a:t>Dritte Ebene</a:t>
             </a:r>
           </a:p>
           <a:p>
             <a:pPr lvl="3"/>
             <a:r>
-              <a:rPr lang="de-DE" smtClean="0"/>
+              <a:rPr lang="de-DE"/>
               <a:t>Vierte Ebene</a:t>
             </a:r>
           </a:p>
           <a:p>
             <a:pPr lvl="4"/>
             <a:r>
-              <a:rPr lang="de-DE" smtClean="0"/>
+              <a:rPr lang="de-DE"/>
               <a:t>Fünfte Ebene</a:t>
             </a:r>
-            <a:endParaRPr lang="de-DE"/>
           </a:p>
         </p:txBody>
       </p:sp>
@@ -503,10 +513,9 @@
           </a:lstStyle>
           <a:p>
             <a:r>
-              <a:rPr lang="de-DE" smtClean="0"/>
+              <a:rPr lang="de-DE"/>
               <a:t>Titelmasterformat durch Klicken bearbeiten</a:t>
             </a:r>
-            <a:endParaRPr lang="de-DE"/>
           </a:p>
         </p:txBody>
       </p:sp>
@@ -568,10 +577,9 @@
           </a:lstStyle>
           <a:p>
             <a:r>
-              <a:rPr lang="de-DE" smtClean="0"/>
+              <a:rPr lang="de-DE"/>
               <a:t>Formatvorlage des Untertitelmasters durch Klicken bearbeiten</a:t>
             </a:r>
-            <a:endParaRPr lang="de-DE"/>
           </a:p>
         </p:txBody>
       </p:sp>
@@ -592,7 +600,7 @@
           <a:p>
             <a:fld id="{59C10B28-1F5C-4873-A3EE-C7F56D95F1DD}" type="datetime1">
               <a:rPr lang="de-DE" smtClean="0"/>
-              <a:t>05.03.2021</a:t>
+              <a:t>24.03.2021</a:t>
             </a:fld>
             <a:endParaRPr lang="de-DE"/>
           </a:p>
@@ -686,10 +694,9 @@
           <a:lstStyle/>
           <a:p>
             <a:r>
-              <a:rPr lang="de-DE" smtClean="0"/>
+              <a:rPr lang="de-DE"/>
               <a:t>Titelmasterformat durch Klicken bearbeiten</a:t>
             </a:r>
-            <a:endParaRPr lang="de-DE"/>
           </a:p>
         </p:txBody>
       </p:sp>
@@ -710,38 +717,37 @@
           <a:p>
             <a:pPr lvl="0"/>
             <a:r>
-              <a:rPr lang="de-DE" smtClean="0"/>
+              <a:rPr lang="de-DE"/>
               <a:t>Formatvorlagen des Textmasters bearbeiten</a:t>
             </a:r>
           </a:p>
           <a:p>
             <a:pPr lvl="1"/>
             <a:r>
-              <a:rPr lang="de-DE" smtClean="0"/>
+              <a:rPr lang="de-DE"/>
               <a:t>Zweite Ebene</a:t>
             </a:r>
           </a:p>
           <a:p>
             <a:pPr lvl="2"/>
             <a:r>
-              <a:rPr lang="de-DE" smtClean="0"/>
+              <a:rPr lang="de-DE"/>
               <a:t>Dritte Ebene</a:t>
             </a:r>
           </a:p>
           <a:p>
             <a:pPr lvl="3"/>
             <a:r>
-              <a:rPr lang="de-DE" smtClean="0"/>
+              <a:rPr lang="de-DE"/>
               <a:t>Vierte Ebene</a:t>
             </a:r>
           </a:p>
           <a:p>
             <a:pPr lvl="4"/>
             <a:r>
-              <a:rPr lang="de-DE" smtClean="0"/>
+              <a:rPr lang="de-DE"/>
               <a:t>Fünfte Ebene</a:t>
             </a:r>
-            <a:endParaRPr lang="de-DE"/>
           </a:p>
         </p:txBody>
       </p:sp>
@@ -762,7 +768,7 @@
           <a:p>
             <a:fld id="{5452C4AA-91F2-4E5B-B1B7-252D8780B96B}" type="datetime1">
               <a:rPr lang="de-DE" smtClean="0"/>
-              <a:t>05.03.2021</a:t>
+              <a:t>24.03.2021</a:t>
             </a:fld>
             <a:endParaRPr lang="de-DE"/>
           </a:p>
@@ -861,10 +867,9 @@
           <a:lstStyle/>
           <a:p>
             <a:r>
-              <a:rPr lang="de-DE" smtClean="0"/>
+              <a:rPr lang="de-DE"/>
               <a:t>Titelmasterformat durch Klicken bearbeiten</a:t>
             </a:r>
-            <a:endParaRPr lang="de-DE"/>
           </a:p>
         </p:txBody>
       </p:sp>
@@ -890,38 +895,37 @@
           <a:p>
             <a:pPr lvl="0"/>
             <a:r>
-              <a:rPr lang="de-DE" smtClean="0"/>
+              <a:rPr lang="de-DE"/>
               <a:t>Formatvorlagen des Textmasters bearbeiten</a:t>
             </a:r>
           </a:p>
           <a:p>
             <a:pPr lvl="1"/>
             <a:r>
-              <a:rPr lang="de-DE" smtClean="0"/>
+              <a:rPr lang="de-DE"/>
               <a:t>Zweite Ebene</a:t>
             </a:r>
           </a:p>
           <a:p>
             <a:pPr lvl="2"/>
             <a:r>
-              <a:rPr lang="de-DE" smtClean="0"/>
+              <a:rPr lang="de-DE"/>
               <a:t>Dritte Ebene</a:t>
             </a:r>
           </a:p>
           <a:p>
             <a:pPr lvl="3"/>
             <a:r>
-              <a:rPr lang="de-DE" smtClean="0"/>
+              <a:rPr lang="de-DE"/>
               <a:t>Vierte Ebene</a:t>
             </a:r>
           </a:p>
           <a:p>
             <a:pPr lvl="4"/>
             <a:r>
-              <a:rPr lang="de-DE" smtClean="0"/>
+              <a:rPr lang="de-DE"/>
               <a:t>Fünfte Ebene</a:t>
             </a:r>
-            <a:endParaRPr lang="de-DE"/>
           </a:p>
         </p:txBody>
       </p:sp>
@@ -942,7 +946,7 @@
           <a:p>
             <a:fld id="{91D568E7-25CA-4684-8F8E-9D61E609EA06}" type="datetime1">
               <a:rPr lang="de-DE" smtClean="0"/>
-              <a:t>05.03.2021</a:t>
+              <a:t>24.03.2021</a:t>
             </a:fld>
             <a:endParaRPr lang="de-DE"/>
           </a:p>
@@ -1036,10 +1040,9 @@
           <a:lstStyle/>
           <a:p>
             <a:r>
-              <a:rPr lang="de-DE" smtClean="0"/>
+              <a:rPr lang="de-DE"/>
               <a:t>Titelmasterformat durch Klicken bearbeiten</a:t>
             </a:r>
-            <a:endParaRPr lang="de-DE"/>
           </a:p>
         </p:txBody>
       </p:sp>
@@ -1060,38 +1063,37 @@
           <a:p>
             <a:pPr lvl="0"/>
             <a:r>
-              <a:rPr lang="de-DE" smtClean="0"/>
+              <a:rPr lang="de-DE"/>
               <a:t>Formatvorlagen des Textmasters bearbeiten</a:t>
             </a:r>
           </a:p>
           <a:p>
             <a:pPr lvl="1"/>
             <a:r>
-              <a:rPr lang="de-DE" smtClean="0"/>
+              <a:rPr lang="de-DE"/>
               <a:t>Zweite Ebene</a:t>
             </a:r>
           </a:p>
           <a:p>
             <a:pPr lvl="2"/>
             <a:r>
-              <a:rPr lang="de-DE" smtClean="0"/>
+              <a:rPr lang="de-DE"/>
               <a:t>Dritte Ebene</a:t>
             </a:r>
           </a:p>
           <a:p>
             <a:pPr lvl="3"/>
             <a:r>
-              <a:rPr lang="de-DE" smtClean="0"/>
+              <a:rPr lang="de-DE"/>
               <a:t>Vierte Ebene</a:t>
             </a:r>
           </a:p>
           <a:p>
             <a:pPr lvl="4"/>
             <a:r>
-              <a:rPr lang="de-DE" smtClean="0"/>
+              <a:rPr lang="de-DE"/>
               <a:t>Fünfte Ebene</a:t>
             </a:r>
-            <a:endParaRPr lang="de-DE"/>
           </a:p>
         </p:txBody>
       </p:sp>
@@ -1112,7 +1114,7 @@
           <a:p>
             <a:fld id="{DDB15510-19EA-4EBA-97AB-A56358C24AA4}" type="datetime1">
               <a:rPr lang="de-DE" smtClean="0"/>
-              <a:t>05.03.2021</a:t>
+              <a:t>24.03.2021</a:t>
             </a:fld>
             <a:endParaRPr lang="de-DE"/>
           </a:p>
@@ -1215,10 +1217,9 @@
           </a:lstStyle>
           <a:p>
             <a:r>
-              <a:rPr lang="de-DE" smtClean="0"/>
+              <a:rPr lang="de-DE"/>
               <a:t>Titelmasterformat durch Klicken bearbeiten</a:t>
             </a:r>
-            <a:endParaRPr lang="de-DE"/>
           </a:p>
         </p:txBody>
       </p:sp>
@@ -1335,7 +1336,7 @@
           <a:p>
             <a:pPr lvl="0"/>
             <a:r>
-              <a:rPr lang="de-DE" smtClean="0"/>
+              <a:rPr lang="de-DE"/>
               <a:t>Formatvorlagen des Textmasters bearbeiten</a:t>
             </a:r>
           </a:p>
@@ -1358,7 +1359,7 @@
           <a:p>
             <a:fld id="{6FC7AFAD-E4AD-4E97-B1EA-87BBD0AC8D56}" type="datetime1">
               <a:rPr lang="de-DE" smtClean="0"/>
-              <a:t>05.03.2021</a:t>
+              <a:t>24.03.2021</a:t>
             </a:fld>
             <a:endParaRPr lang="de-DE"/>
           </a:p>
@@ -1452,10 +1453,9 @@
           <a:lstStyle/>
           <a:p>
             <a:r>
-              <a:rPr lang="de-DE" smtClean="0"/>
+              <a:rPr lang="de-DE"/>
               <a:t>Titelmasterformat durch Klicken bearbeiten</a:t>
             </a:r>
-            <a:endParaRPr lang="de-DE"/>
           </a:p>
         </p:txBody>
       </p:sp>
@@ -1481,38 +1481,37 @@
           <a:p>
             <a:pPr lvl="0"/>
             <a:r>
-              <a:rPr lang="de-DE" smtClean="0"/>
+              <a:rPr lang="de-DE"/>
               <a:t>Formatvorlagen des Textmasters bearbeiten</a:t>
             </a:r>
           </a:p>
           <a:p>
             <a:pPr lvl="1"/>
             <a:r>
-              <a:rPr lang="de-DE" smtClean="0"/>
+              <a:rPr lang="de-DE"/>
               <a:t>Zweite Ebene</a:t>
             </a:r>
           </a:p>
           <a:p>
             <a:pPr lvl="2"/>
             <a:r>
-              <a:rPr lang="de-DE" smtClean="0"/>
+              <a:rPr lang="de-DE"/>
               <a:t>Dritte Ebene</a:t>
             </a:r>
           </a:p>
           <a:p>
             <a:pPr lvl="3"/>
             <a:r>
-              <a:rPr lang="de-DE" smtClean="0"/>
+              <a:rPr lang="de-DE"/>
               <a:t>Vierte Ebene</a:t>
             </a:r>
           </a:p>
           <a:p>
             <a:pPr lvl="4"/>
             <a:r>
-              <a:rPr lang="de-DE" smtClean="0"/>
+              <a:rPr lang="de-DE"/>
               <a:t>Fünfte Ebene</a:t>
             </a:r>
-            <a:endParaRPr lang="de-DE"/>
           </a:p>
         </p:txBody>
       </p:sp>
@@ -1538,38 +1537,37 @@
           <a:p>
             <a:pPr lvl="0"/>
             <a:r>
-              <a:rPr lang="de-DE" smtClean="0"/>
+              <a:rPr lang="de-DE"/>
               <a:t>Formatvorlagen des Textmasters bearbeiten</a:t>
             </a:r>
           </a:p>
           <a:p>
             <a:pPr lvl="1"/>
             <a:r>
-              <a:rPr lang="de-DE" smtClean="0"/>
+              <a:rPr lang="de-DE"/>
               <a:t>Zweite Ebene</a:t>
             </a:r>
           </a:p>
           <a:p>
             <a:pPr lvl="2"/>
             <a:r>
-              <a:rPr lang="de-DE" smtClean="0"/>
+              <a:rPr lang="de-DE"/>
               <a:t>Dritte Ebene</a:t>
             </a:r>
           </a:p>
           <a:p>
             <a:pPr lvl="3"/>
             <a:r>
-              <a:rPr lang="de-DE" smtClean="0"/>
+              <a:rPr lang="de-DE"/>
               <a:t>Vierte Ebene</a:t>
             </a:r>
           </a:p>
           <a:p>
             <a:pPr lvl="4"/>
             <a:r>
-              <a:rPr lang="de-DE" smtClean="0"/>
+              <a:rPr lang="de-DE"/>
               <a:t>Fünfte Ebene</a:t>
             </a:r>
-            <a:endParaRPr lang="de-DE"/>
           </a:p>
         </p:txBody>
       </p:sp>
@@ -1590,7 +1588,7 @@
           <a:p>
             <a:fld id="{C72815DC-791A-4D11-B3CD-FCF62A42CBE6}" type="datetime1">
               <a:rPr lang="de-DE" smtClean="0"/>
-              <a:t>05.03.2021</a:t>
+              <a:t>24.03.2021</a:t>
             </a:fld>
             <a:endParaRPr lang="de-DE"/>
           </a:p>
@@ -1689,10 +1687,9 @@
           <a:lstStyle/>
           <a:p>
             <a:r>
-              <a:rPr lang="de-DE" smtClean="0"/>
+              <a:rPr lang="de-DE"/>
               <a:t>Titelmasterformat durch Klicken bearbeiten</a:t>
             </a:r>
-            <a:endParaRPr lang="de-DE"/>
           </a:p>
         </p:txBody>
       </p:sp>
@@ -1755,7 +1752,7 @@
           <a:p>
             <a:pPr lvl="0"/>
             <a:r>
-              <a:rPr lang="de-DE" smtClean="0"/>
+              <a:rPr lang="de-DE"/>
               <a:t>Formatvorlagen des Textmasters bearbeiten</a:t>
             </a:r>
           </a:p>
@@ -1783,38 +1780,37 @@
           <a:p>
             <a:pPr lvl="0"/>
             <a:r>
-              <a:rPr lang="de-DE" smtClean="0"/>
+              <a:rPr lang="de-DE"/>
               <a:t>Formatvorlagen des Textmasters bearbeiten</a:t>
             </a:r>
           </a:p>
           <a:p>
             <a:pPr lvl="1"/>
             <a:r>
-              <a:rPr lang="de-DE" smtClean="0"/>
+              <a:rPr lang="de-DE"/>
               <a:t>Zweite Ebene</a:t>
             </a:r>
           </a:p>
           <a:p>
             <a:pPr lvl="2"/>
             <a:r>
-              <a:rPr lang="de-DE" smtClean="0"/>
+              <a:rPr lang="de-DE"/>
               <a:t>Dritte Ebene</a:t>
             </a:r>
           </a:p>
           <a:p>
             <a:pPr lvl="3"/>
             <a:r>
-              <a:rPr lang="de-DE" smtClean="0"/>
+              <a:rPr lang="de-DE"/>
               <a:t>Vierte Ebene</a:t>
             </a:r>
           </a:p>
           <a:p>
             <a:pPr lvl="4"/>
             <a:r>
-              <a:rPr lang="de-DE" smtClean="0"/>
+              <a:rPr lang="de-DE"/>
               <a:t>Fünfte Ebene</a:t>
             </a:r>
-            <a:endParaRPr lang="de-DE"/>
           </a:p>
         </p:txBody>
       </p:sp>
@@ -1877,7 +1873,7 @@
           <a:p>
             <a:pPr lvl="0"/>
             <a:r>
-              <a:rPr lang="de-DE" smtClean="0"/>
+              <a:rPr lang="de-DE"/>
               <a:t>Formatvorlagen des Textmasters bearbeiten</a:t>
             </a:r>
           </a:p>
@@ -1905,38 +1901,37 @@
           <a:p>
             <a:pPr lvl="0"/>
             <a:r>
-              <a:rPr lang="de-DE" smtClean="0"/>
+              <a:rPr lang="de-DE"/>
               <a:t>Formatvorlagen des Textmasters bearbeiten</a:t>
             </a:r>
           </a:p>
           <a:p>
             <a:pPr lvl="1"/>
             <a:r>
-              <a:rPr lang="de-DE" smtClean="0"/>
+              <a:rPr lang="de-DE"/>
               <a:t>Zweite Ebene</a:t>
             </a:r>
           </a:p>
           <a:p>
             <a:pPr lvl="2"/>
             <a:r>
-              <a:rPr lang="de-DE" smtClean="0"/>
+              <a:rPr lang="de-DE"/>
               <a:t>Dritte Ebene</a:t>
             </a:r>
           </a:p>
           <a:p>
             <a:pPr lvl="3"/>
             <a:r>
-              <a:rPr lang="de-DE" smtClean="0"/>
+              <a:rPr lang="de-DE"/>
               <a:t>Vierte Ebene</a:t>
             </a:r>
           </a:p>
           <a:p>
             <a:pPr lvl="4"/>
             <a:r>
-              <a:rPr lang="de-DE" smtClean="0"/>
+              <a:rPr lang="de-DE"/>
               <a:t>Fünfte Ebene</a:t>
             </a:r>
-            <a:endParaRPr lang="de-DE"/>
           </a:p>
         </p:txBody>
       </p:sp>
@@ -1957,7 +1952,7 @@
           <a:p>
             <a:fld id="{5220D391-5C67-4309-B312-8FB71190B27C}" type="datetime1">
               <a:rPr lang="de-DE" smtClean="0"/>
-              <a:t>05.03.2021</a:t>
+              <a:t>24.03.2021</a:t>
             </a:fld>
             <a:endParaRPr lang="de-DE"/>
           </a:p>
@@ -2051,10 +2046,9 @@
           <a:lstStyle/>
           <a:p>
             <a:r>
-              <a:rPr lang="de-DE" smtClean="0"/>
+              <a:rPr lang="de-DE"/>
               <a:t>Titelmasterformat durch Klicken bearbeiten</a:t>
             </a:r>
-            <a:endParaRPr lang="de-DE"/>
           </a:p>
         </p:txBody>
       </p:sp>
@@ -2075,7 +2069,7 @@
           <a:p>
             <a:fld id="{B3E5CE2C-48A7-4685-A1E4-D255C8254BFE}" type="datetime1">
               <a:rPr lang="de-DE" smtClean="0"/>
-              <a:t>05.03.2021</a:t>
+              <a:t>24.03.2021</a:t>
             </a:fld>
             <a:endParaRPr lang="de-DE"/>
           </a:p>
@@ -2170,7 +2164,7 @@
           <a:p>
             <a:fld id="{FBD70F3B-DD66-49B6-A44D-4EFD61920C1B}" type="datetime1">
               <a:rPr lang="de-DE" smtClean="0"/>
-              <a:t>05.03.2021</a:t>
+              <a:t>24.03.2021</a:t>
             </a:fld>
             <a:endParaRPr lang="de-DE"/>
           </a:p>
@@ -2273,10 +2267,9 @@
           </a:lstStyle>
           <a:p>
             <a:r>
-              <a:rPr lang="de-DE" smtClean="0"/>
+              <a:rPr lang="de-DE"/>
               <a:t>Titelmasterformat durch Klicken bearbeiten</a:t>
             </a:r>
-            <a:endParaRPr lang="de-DE"/>
           </a:p>
         </p:txBody>
       </p:sp>
@@ -2330,38 +2323,37 @@
           <a:p>
             <a:pPr lvl="0"/>
             <a:r>
-              <a:rPr lang="de-DE" smtClean="0"/>
+              <a:rPr lang="de-DE"/>
               <a:t>Formatvorlagen des Textmasters bearbeiten</a:t>
             </a:r>
           </a:p>
           <a:p>
             <a:pPr lvl="1"/>
             <a:r>
-              <a:rPr lang="de-DE" smtClean="0"/>
+              <a:rPr lang="de-DE"/>
               <a:t>Zweite Ebene</a:t>
             </a:r>
           </a:p>
           <a:p>
             <a:pPr lvl="2"/>
             <a:r>
-              <a:rPr lang="de-DE" smtClean="0"/>
+              <a:rPr lang="de-DE"/>
               <a:t>Dritte Ebene</a:t>
             </a:r>
           </a:p>
           <a:p>
             <a:pPr lvl="3"/>
             <a:r>
-              <a:rPr lang="de-DE" smtClean="0"/>
+              <a:rPr lang="de-DE"/>
               <a:t>Vierte Ebene</a:t>
             </a:r>
           </a:p>
           <a:p>
             <a:pPr lvl="4"/>
             <a:r>
-              <a:rPr lang="de-DE" smtClean="0"/>
+              <a:rPr lang="de-DE"/>
               <a:t>Fünfte Ebene</a:t>
             </a:r>
-            <a:endParaRPr lang="de-DE"/>
           </a:p>
         </p:txBody>
       </p:sp>
@@ -2424,7 +2416,7 @@
           <a:p>
             <a:pPr lvl="0"/>
             <a:r>
-              <a:rPr lang="de-DE" smtClean="0"/>
+              <a:rPr lang="de-DE"/>
               <a:t>Formatvorlagen des Textmasters bearbeiten</a:t>
             </a:r>
           </a:p>
@@ -2447,7 +2439,7 @@
           <a:p>
             <a:fld id="{A325AE2D-AA61-410B-A56E-D68BA3266756}" type="datetime1">
               <a:rPr lang="de-DE" smtClean="0"/>
-              <a:t>05.03.2021</a:t>
+              <a:t>24.03.2021</a:t>
             </a:fld>
             <a:endParaRPr lang="de-DE"/>
           </a:p>
@@ -2550,10 +2542,9 @@
           </a:lstStyle>
           <a:p>
             <a:r>
-              <a:rPr lang="de-DE" smtClean="0"/>
+              <a:rPr lang="de-DE"/>
               <a:t>Titelmasterformat durch Klicken bearbeiten</a:t>
             </a:r>
-            <a:endParaRPr lang="de-DE"/>
           </a:p>
         </p:txBody>
       </p:sp>
@@ -2677,7 +2668,7 @@
           <a:p>
             <a:pPr lvl="0"/>
             <a:r>
-              <a:rPr lang="de-DE" smtClean="0"/>
+              <a:rPr lang="de-DE"/>
               <a:t>Formatvorlagen des Textmasters bearbeiten</a:t>
             </a:r>
           </a:p>
@@ -2700,7 +2691,7 @@
           <a:p>
             <a:fld id="{4D3A7F3B-9119-44A0-A5EE-7323CAE8669D}" type="datetime1">
               <a:rPr lang="de-DE" smtClean="0"/>
-              <a:t>05.03.2021</a:t>
+              <a:t>24.03.2021</a:t>
             </a:fld>
             <a:endParaRPr lang="de-DE"/>
           </a:p>
@@ -2826,10 +2817,9 @@
           <a:lstStyle/>
           <a:p>
             <a:r>
-              <a:rPr lang="de-DE" smtClean="0"/>
+              <a:rPr lang="de-DE"/>
               <a:t>Titelmasterformat durch Klicken bearbeiten</a:t>
             </a:r>
-            <a:endParaRPr lang="de-DE"/>
           </a:p>
         </p:txBody>
       </p:sp>
@@ -2860,38 +2850,37 @@
           <a:p>
             <a:pPr lvl="0"/>
             <a:r>
-              <a:rPr lang="de-DE" smtClean="0"/>
+              <a:rPr lang="de-DE"/>
               <a:t>Formatvorlagen des Textmasters bearbeiten</a:t>
             </a:r>
           </a:p>
           <a:p>
             <a:pPr lvl="1"/>
             <a:r>
-              <a:rPr lang="de-DE" smtClean="0"/>
+              <a:rPr lang="de-DE"/>
               <a:t>Zweite Ebene</a:t>
             </a:r>
           </a:p>
           <a:p>
             <a:pPr lvl="2"/>
             <a:r>
-              <a:rPr lang="de-DE" smtClean="0"/>
+              <a:rPr lang="de-DE"/>
               <a:t>Dritte Ebene</a:t>
             </a:r>
           </a:p>
           <a:p>
             <a:pPr lvl="3"/>
             <a:r>
-              <a:rPr lang="de-DE" smtClean="0"/>
+              <a:rPr lang="de-DE"/>
               <a:t>Vierte Ebene</a:t>
             </a:r>
           </a:p>
           <a:p>
             <a:pPr lvl="4"/>
             <a:r>
-              <a:rPr lang="de-DE" smtClean="0"/>
+              <a:rPr lang="de-DE"/>
               <a:t>Fünfte Ebene</a:t>
             </a:r>
-            <a:endParaRPr lang="de-DE"/>
           </a:p>
         </p:txBody>
       </p:sp>
@@ -2930,7 +2919,7 @@
           <a:p>
             <a:fld id="{70CA9872-1109-47D4-9F94-968ED4164827}" type="datetime1">
               <a:rPr lang="de-DE" smtClean="0"/>
-              <a:t>05.03.2021</a:t>
+              <a:t>24.03.2021</a:t>
             </a:fld>
             <a:endParaRPr lang="de-DE"/>
           </a:p>
@@ -3408,7 +3397,7 @@
           <a:lstStyle/>
           <a:p>
             <a:r>
-              <a:rPr lang="de-DE" sz="4800" dirty="0" smtClean="0">
+              <a:rPr lang="de-DE" sz="4800" dirty="0">
                 <a:solidFill>
                   <a:schemeClr val="bg1"/>
                 </a:solidFill>
@@ -3417,13 +3406,6 @@
               </a:rPr>
               <a:t>Immobilien Management System</a:t>
             </a:r>
-            <a:endParaRPr lang="de-DE" sz="4800" dirty="0">
-              <a:solidFill>
-                <a:schemeClr val="bg1"/>
-              </a:solidFill>
-              <a:latin typeface="Candara Light" panose="020E0502030303020204" pitchFamily="34" charset="0"/>
-              <a:cs typeface="Calibri Light" panose="020F0302020204030204" pitchFamily="34" charset="0"/>
-            </a:endParaRPr>
           </a:p>
         </p:txBody>
       </p:sp>
@@ -3488,14 +3470,11 @@
           <a:lstStyle/>
           <a:p>
             <a:r>
-              <a:rPr lang="de-DE" cap="all" dirty="0" smtClean="0">
+              <a:rPr lang="de-DE" cap="all" dirty="0">
                 <a:latin typeface="Candara Light" panose="020E0502030303020204" pitchFamily="34" charset="0"/>
               </a:rPr>
               <a:t>Maximilian Müller				Michael Citcer			Valentin Gutberlet</a:t>
             </a:r>
-            <a:endParaRPr lang="de-DE" cap="all" dirty="0">
-              <a:latin typeface="Candara Light" panose="020E0502030303020204" pitchFamily="34" charset="0"/>
-            </a:endParaRPr>
           </a:p>
         </p:txBody>
       </p:sp>
@@ -3509,13 +3488,6 @@
   <p:clrMapOvr>
     <a:masterClrMapping/>
   </p:clrMapOvr>
-  <p:timing>
-    <p:tnLst>
-      <p:par>
-        <p:cTn id="1" dur="indefinite" restart="never" nodeType="tmRoot"/>
-      </p:par>
-    </p:tnLst>
-  </p:timing>
 </p:sld>
 </file>
 
@@ -3536,91 +3508,6 @@
           <a:chExt cx="0" cy="0"/>
         </a:xfrm>
       </p:grpSpPr>
-      <p:sp>
-        <p:nvSpPr>
-          <p:cNvPr id="13" name="Rechteck 12"/>
-          <p:cNvSpPr/>
-          <p:nvPr/>
-        </p:nvSpPr>
-        <p:spPr>
-          <a:xfrm>
-            <a:off x="1" y="-1"/>
-            <a:ext cx="12192000" cy="1457325"/>
-          </a:xfrm>
-          <a:prstGeom prst="rect">
-            <a:avLst/>
-          </a:prstGeom>
-          <a:solidFill>
-            <a:schemeClr val="bg1"/>
-          </a:solidFill>
-          <a:ln>
-            <a:noFill/>
-          </a:ln>
-        </p:spPr>
-        <p:style>
-          <a:lnRef idx="2">
-            <a:schemeClr val="accent1">
-              <a:shade val="50000"/>
-            </a:schemeClr>
-          </a:lnRef>
-          <a:fillRef idx="1">
-            <a:schemeClr val="accent1"/>
-          </a:fillRef>
-          <a:effectRef idx="0">
-            <a:schemeClr val="accent1"/>
-          </a:effectRef>
-          <a:fontRef idx="minor">
-            <a:schemeClr val="lt1"/>
-          </a:fontRef>
-        </p:style>
-        <p:txBody>
-          <a:bodyPr rtlCol="0" anchor="ctr"/>
-          <a:lstStyle/>
-          <a:p>
-            <a:pPr algn="ctr"/>
-            <a:endParaRPr lang="de-DE"/>
-          </a:p>
-        </p:txBody>
-      </p:sp>
-      <p:pic>
-        <p:nvPicPr>
-          <p:cNvPr id="11" name="Grafik 10"/>
-          <p:cNvPicPr>
-            <a:picLocks noChangeAspect="1"/>
-          </p:cNvPicPr>
-          <p:nvPr/>
-        </p:nvPicPr>
-        <p:blipFill rotWithShape="1">
-          <a:blip r:embed="rId2" cstate="print">
-            <a:clrChange>
-              <a:clrFrom>
-                <a:srgbClr val="5E24C3"/>
-              </a:clrFrom>
-              <a:clrTo>
-                <a:srgbClr val="5E24C3">
-                  <a:alpha val="0"/>
-                </a:srgbClr>
-              </a:clrTo>
-            </a:clrChange>
-            <a:extLst>
-              <a:ext uri="{28A0092B-C50C-407E-A947-70E740481C1C}">
-                <a14:useLocalDpi xmlns:a14="http://schemas.microsoft.com/office/drawing/2010/main" val="0"/>
-              </a:ext>
-            </a:extLst>
-          </a:blip>
-          <a:srcRect r="57780"/>
-          <a:stretch/>
-        </p:blipFill>
-        <p:spPr>
-          <a:xfrm>
-            <a:off x="219076" y="2605489"/>
-            <a:ext cx="1581149" cy="1795103"/>
-          </a:xfrm>
-          <a:prstGeom prst="rect">
-            <a:avLst/>
-          </a:prstGeom>
-        </p:spPr>
-      </p:pic>
       <p:pic>
         <p:nvPicPr>
           <p:cNvPr id="14" name="Grafik 13"/>
@@ -3630,7 +3517,7 @@
           <p:nvPr/>
         </p:nvPicPr>
         <p:blipFill>
-          <a:blip r:embed="rId3" cstate="print">
+          <a:blip r:embed="rId2" cstate="print">
             <a:extLst>
               <a:ext uri="{28A0092B-C50C-407E-A947-70E740481C1C}">
                 <a14:useLocalDpi xmlns:a14="http://schemas.microsoft.com/office/drawing/2010/main" val="0"/>
@@ -3643,7 +3530,7 @@
         </p:blipFill>
         <p:spPr>
           <a:xfrm>
-            <a:off x="342900" y="246985"/>
+            <a:off x="205317" y="246984"/>
             <a:ext cx="2009775" cy="963352"/>
           </a:xfrm>
           <a:prstGeom prst="rect">
@@ -3651,6 +3538,77 @@
           </a:prstGeom>
         </p:spPr>
       </p:pic>
+      <p:pic>
+        <p:nvPicPr>
+          <p:cNvPr id="3" name="Grafik 2">
+            <a:extLst>
+              <a:ext uri="{FF2B5EF4-FFF2-40B4-BE49-F238E27FC236}">
+                <a16:creationId xmlns:a16="http://schemas.microsoft.com/office/drawing/2014/main" id="{7FEFA870-4D15-4C62-8688-231573672247}"/>
+              </a:ext>
+            </a:extLst>
+          </p:cNvPr>
+          <p:cNvPicPr>
+            <a:picLocks noChangeAspect="1"/>
+          </p:cNvPicPr>
+          <p:nvPr/>
+        </p:nvPicPr>
+        <p:blipFill>
+          <a:blip r:embed="rId3"/>
+          <a:stretch>
+            <a:fillRect/>
+          </a:stretch>
+        </p:blipFill>
+        <p:spPr>
+          <a:xfrm>
+            <a:off x="4069292" y="513817"/>
+            <a:ext cx="7191375" cy="5455713"/>
+          </a:xfrm>
+          <a:prstGeom prst="rect">
+            <a:avLst/>
+          </a:prstGeom>
+        </p:spPr>
+      </p:pic>
+      <p:sp>
+        <p:nvSpPr>
+          <p:cNvPr id="4" name="Textfeld 3">
+            <a:extLst>
+              <a:ext uri="{FF2B5EF4-FFF2-40B4-BE49-F238E27FC236}">
+                <a16:creationId xmlns:a16="http://schemas.microsoft.com/office/drawing/2014/main" id="{32CE8B54-E569-4CF4-8567-88639142CE1A}"/>
+              </a:ext>
+            </a:extLst>
+          </p:cNvPr>
+          <p:cNvSpPr txBox="1"/>
+          <p:nvPr/>
+        </p:nvSpPr>
+        <p:spPr>
+          <a:xfrm>
+            <a:off x="364067" y="2010833"/>
+            <a:ext cx="3393016" cy="3046988"/>
+          </a:xfrm>
+          <a:prstGeom prst="rect">
+            <a:avLst/>
+          </a:prstGeom>
+          <a:noFill/>
+        </p:spPr>
+        <p:txBody>
+          <a:bodyPr wrap="square" rtlCol="0">
+            <a:spAutoFit/>
+          </a:bodyPr>
+          <a:lstStyle/>
+          <a:p>
+            <a:pPr algn="l"/>
+            <a:r>
+              <a:rPr lang="de-DE" sz="4800" dirty="0">
+                <a:solidFill>
+                  <a:schemeClr val="bg1"/>
+                </a:solidFill>
+                <a:latin typeface="Candara Light" panose="020E0502030303020204" pitchFamily="34" charset="0"/>
+              </a:rPr>
+              <a:t>COPY PASTE GIBT’S NICHT UMSONST</a:t>
+            </a:r>
+          </a:p>
+        </p:txBody>
+      </p:sp>
     </p:spTree>
     <p:extLst>
       <p:ext uri="{BB962C8B-B14F-4D97-AF65-F5344CB8AC3E}">
@@ -3661,13 +3619,865 @@
   <p:clrMapOvr>
     <a:masterClrMapping/>
   </p:clrMapOvr>
-  <p:timing>
-    <p:tnLst>
-      <p:par>
-        <p:cTn id="1" dur="indefinite" restart="never" nodeType="tmRoot"/>
-      </p:par>
-    </p:tnLst>
-  </p:timing>
+</p:sld>
+</file>
+
+<file path=ppt/slides/slide3.xml><?xml version="1.0" encoding="utf-8"?>
+<p:sld xmlns:a="http://schemas.openxmlformats.org/drawingml/2006/main" xmlns:r="http://schemas.openxmlformats.org/officeDocument/2006/relationships" xmlns:p="http://schemas.openxmlformats.org/presentationml/2006/main">
+  <p:cSld>
+    <p:spTree>
+      <p:nvGrpSpPr>
+        <p:cNvPr id="1" name=""/>
+        <p:cNvGrpSpPr/>
+        <p:nvPr/>
+      </p:nvGrpSpPr>
+      <p:grpSpPr>
+        <a:xfrm>
+          <a:off x="0" y="0"/>
+          <a:ext cx="0" cy="0"/>
+          <a:chOff x="0" y="0"/>
+          <a:chExt cx="0" cy="0"/>
+        </a:xfrm>
+      </p:grpSpPr>
+      <p:sp>
+        <p:nvSpPr>
+          <p:cNvPr id="6" name="Textfeld 5">
+            <a:extLst>
+              <a:ext uri="{FF2B5EF4-FFF2-40B4-BE49-F238E27FC236}">
+                <a16:creationId xmlns:a16="http://schemas.microsoft.com/office/drawing/2014/main" id="{27FB52D7-DED8-4E61-81FC-102A32697334}"/>
+              </a:ext>
+            </a:extLst>
+          </p:cNvPr>
+          <p:cNvSpPr txBox="1"/>
+          <p:nvPr/>
+        </p:nvSpPr>
+        <p:spPr>
+          <a:xfrm>
+            <a:off x="8343900" y="1809750"/>
+            <a:ext cx="3922183" cy="3785652"/>
+          </a:xfrm>
+          <a:prstGeom prst="rect">
+            <a:avLst/>
+          </a:prstGeom>
+          <a:noFill/>
+        </p:spPr>
+        <p:txBody>
+          <a:bodyPr wrap="square" rtlCol="0">
+            <a:spAutoFit/>
+          </a:bodyPr>
+          <a:lstStyle/>
+          <a:p>
+            <a:pPr algn="l"/>
+            <a:r>
+              <a:rPr lang="de-DE" sz="4800" dirty="0">
+                <a:solidFill>
+                  <a:schemeClr val="bg1"/>
+                </a:solidFill>
+                <a:latin typeface="Candara Light" panose="020E0502030303020204" pitchFamily="34" charset="0"/>
+              </a:rPr>
+              <a:t>…TROTZDEM WIRD’S BEI UNS NOCH SELBST GEMACHT</a:t>
+            </a:r>
+          </a:p>
+        </p:txBody>
+      </p:sp>
+      <p:pic>
+        <p:nvPicPr>
+          <p:cNvPr id="17" name="Grafik 16">
+            <a:extLst>
+              <a:ext uri="{FF2B5EF4-FFF2-40B4-BE49-F238E27FC236}">
+                <a16:creationId xmlns:a16="http://schemas.microsoft.com/office/drawing/2014/main" id="{3361E0B2-29EE-46FF-A0D8-CD6252E727F2}"/>
+              </a:ext>
+            </a:extLst>
+          </p:cNvPr>
+          <p:cNvPicPr>
+            <a:picLocks noChangeAspect="1"/>
+          </p:cNvPicPr>
+          <p:nvPr/>
+        </p:nvPicPr>
+        <p:blipFill rotWithShape="1">
+          <a:blip r:embed="rId2"/>
+          <a:srcRect l="130" t="280" r="44528" b="16648"/>
+          <a:stretch/>
+        </p:blipFill>
+        <p:spPr>
+          <a:xfrm>
+            <a:off x="160565" y="604899"/>
+            <a:ext cx="8105137" cy="5648201"/>
+          </a:xfrm>
+          <a:prstGeom prst="rect">
+            <a:avLst/>
+          </a:prstGeom>
+          <a:effectLst>
+            <a:outerShdw blurRad="50800" dist="38100" dir="5400000" algn="t" rotWithShape="0">
+              <a:prstClr val="black">
+                <a:alpha val="40000"/>
+              </a:prstClr>
+            </a:outerShdw>
+          </a:effectLst>
+        </p:spPr>
+      </p:pic>
+    </p:spTree>
+    <p:extLst>
+      <p:ext uri="{BB962C8B-B14F-4D97-AF65-F5344CB8AC3E}">
+        <p14:creationId xmlns:p14="http://schemas.microsoft.com/office/powerpoint/2010/main" val="3902718472"/>
+      </p:ext>
+    </p:extLst>
+  </p:cSld>
+  <p:clrMapOvr>
+    <a:masterClrMapping/>
+  </p:clrMapOvr>
+</p:sld>
+</file>
+
+<file path=ppt/slides/slide4.xml><?xml version="1.0" encoding="utf-8"?>
+<p:sld xmlns:a="http://schemas.openxmlformats.org/drawingml/2006/main" xmlns:r="http://schemas.openxmlformats.org/officeDocument/2006/relationships" xmlns:p="http://schemas.openxmlformats.org/presentationml/2006/main">
+  <p:cSld>
+    <p:spTree>
+      <p:nvGrpSpPr>
+        <p:cNvPr id="1" name=""/>
+        <p:cNvGrpSpPr/>
+        <p:nvPr/>
+      </p:nvGrpSpPr>
+      <p:grpSpPr>
+        <a:xfrm>
+          <a:off x="0" y="0"/>
+          <a:ext cx="0" cy="0"/>
+          <a:chOff x="0" y="0"/>
+          <a:chExt cx="0" cy="0"/>
+        </a:xfrm>
+      </p:grpSpPr>
+      <p:pic>
+        <p:nvPicPr>
+          <p:cNvPr id="14" name="Grafik 13"/>
+          <p:cNvPicPr>
+            <a:picLocks noChangeAspect="1"/>
+          </p:cNvPicPr>
+          <p:nvPr/>
+        </p:nvPicPr>
+        <p:blipFill>
+          <a:blip r:embed="rId2" cstate="print">
+            <a:extLst>
+              <a:ext uri="{28A0092B-C50C-407E-A947-70E740481C1C}">
+                <a14:useLocalDpi xmlns:a14="http://schemas.microsoft.com/office/drawing/2010/main" val="0"/>
+              </a:ext>
+            </a:extLst>
+          </a:blip>
+          <a:stretch>
+            <a:fillRect/>
+          </a:stretch>
+        </p:blipFill>
+        <p:spPr>
+          <a:xfrm>
+            <a:off x="205317" y="246984"/>
+            <a:ext cx="2009775" cy="963352"/>
+          </a:xfrm>
+          <a:prstGeom prst="rect">
+            <a:avLst/>
+          </a:prstGeom>
+        </p:spPr>
+      </p:pic>
+      <p:sp>
+        <p:nvSpPr>
+          <p:cNvPr id="4" name="Textfeld 3">
+            <a:extLst>
+              <a:ext uri="{FF2B5EF4-FFF2-40B4-BE49-F238E27FC236}">
+                <a16:creationId xmlns:a16="http://schemas.microsoft.com/office/drawing/2014/main" id="{32CE8B54-E569-4CF4-8567-88639142CE1A}"/>
+              </a:ext>
+            </a:extLst>
+          </p:cNvPr>
+          <p:cNvSpPr txBox="1"/>
+          <p:nvPr/>
+        </p:nvSpPr>
+        <p:spPr>
+          <a:xfrm>
+            <a:off x="2745316" y="384836"/>
+            <a:ext cx="4102101" cy="825500"/>
+          </a:xfrm>
+          <a:prstGeom prst="rect">
+            <a:avLst/>
+          </a:prstGeom>
+          <a:noFill/>
+        </p:spPr>
+        <p:txBody>
+          <a:bodyPr wrap="square" rtlCol="0">
+            <a:spAutoFit/>
+          </a:bodyPr>
+          <a:lstStyle/>
+          <a:p>
+            <a:pPr algn="l"/>
+            <a:r>
+              <a:rPr lang="de-DE" sz="4800" dirty="0">
+                <a:solidFill>
+                  <a:schemeClr val="bg1"/>
+                </a:solidFill>
+                <a:latin typeface="Candara" panose="020E0502030303020204" pitchFamily="34" charset="0"/>
+              </a:rPr>
+              <a:t>Projektanstoß</a:t>
+            </a:r>
+          </a:p>
+        </p:txBody>
+      </p:sp>
+      <p:sp>
+        <p:nvSpPr>
+          <p:cNvPr id="5" name="Textfeld 4">
+            <a:extLst>
+              <a:ext uri="{FF2B5EF4-FFF2-40B4-BE49-F238E27FC236}">
+                <a16:creationId xmlns:a16="http://schemas.microsoft.com/office/drawing/2014/main" id="{A8141F27-3B71-4596-B36C-BF2420012A8F}"/>
+              </a:ext>
+            </a:extLst>
+          </p:cNvPr>
+          <p:cNvSpPr txBox="1"/>
+          <p:nvPr/>
+        </p:nvSpPr>
+        <p:spPr>
+          <a:xfrm>
+            <a:off x="914401" y="1989666"/>
+            <a:ext cx="10674349" cy="3662541"/>
+          </a:xfrm>
+          <a:prstGeom prst="rect">
+            <a:avLst/>
+          </a:prstGeom>
+          <a:noFill/>
+        </p:spPr>
+        <p:txBody>
+          <a:bodyPr wrap="square" rtlCol="0">
+            <a:spAutoFit/>
+          </a:bodyPr>
+          <a:lstStyle/>
+          <a:p>
+            <a:pPr marL="685800" indent="-685800" algn="l">
+              <a:buFont typeface="Arial" panose="020B0604020202020204" pitchFamily="34" charset="0"/>
+              <a:buChar char="•"/>
+            </a:pPr>
+            <a:r>
+              <a:rPr lang="de-DE" sz="4800" dirty="0">
+                <a:solidFill>
+                  <a:schemeClr val="bg1"/>
+                </a:solidFill>
+                <a:latin typeface="Candara Light" panose="020E0502030303020204" pitchFamily="34" charset="0"/>
+              </a:rPr>
+              <a:t>Verwaltung von Immobilien für Eigentümer und Vermieter</a:t>
+            </a:r>
+          </a:p>
+          <a:p>
+            <a:pPr algn="l"/>
+            <a:endParaRPr lang="de-DE" sz="2000" dirty="0">
+              <a:solidFill>
+                <a:schemeClr val="bg1"/>
+              </a:solidFill>
+              <a:latin typeface="Candara Light" panose="020E0502030303020204" pitchFamily="34" charset="0"/>
+            </a:endParaRPr>
+          </a:p>
+          <a:p>
+            <a:pPr marL="685800" indent="-685800" algn="l">
+              <a:buFont typeface="Arial" panose="020B0604020202020204" pitchFamily="34" charset="0"/>
+              <a:buChar char="•"/>
+            </a:pPr>
+            <a:r>
+              <a:rPr lang="de-DE" sz="4800" dirty="0">
+                <a:solidFill>
+                  <a:schemeClr val="bg1"/>
+                </a:solidFill>
+                <a:latin typeface="Candara Light" panose="020E0502030303020204" pitchFamily="34" charset="0"/>
+              </a:rPr>
+              <a:t>Simple Oberfläche</a:t>
+            </a:r>
+          </a:p>
+          <a:p>
+            <a:pPr algn="l"/>
+            <a:endParaRPr lang="de-DE" sz="2000" dirty="0">
+              <a:solidFill>
+                <a:schemeClr val="bg1"/>
+              </a:solidFill>
+              <a:latin typeface="Candara Light" panose="020E0502030303020204" pitchFamily="34" charset="0"/>
+            </a:endParaRPr>
+          </a:p>
+          <a:p>
+            <a:pPr marL="685800" indent="-685800" algn="l">
+              <a:buFont typeface="Arial" panose="020B0604020202020204" pitchFamily="34" charset="0"/>
+              <a:buChar char="•"/>
+            </a:pPr>
+            <a:r>
+              <a:rPr lang="de-DE" sz="4800" dirty="0">
+                <a:solidFill>
+                  <a:schemeClr val="bg1"/>
+                </a:solidFill>
+                <a:latin typeface="Candara Light" panose="020E0502030303020204" pitchFamily="34" charset="0"/>
+              </a:rPr>
+              <a:t>Intuitives Design </a:t>
+            </a:r>
+          </a:p>
+        </p:txBody>
+      </p:sp>
+    </p:spTree>
+    <p:extLst>
+      <p:ext uri="{BB962C8B-B14F-4D97-AF65-F5344CB8AC3E}">
+        <p14:creationId xmlns:p14="http://schemas.microsoft.com/office/powerpoint/2010/main" val="3292423618"/>
+      </p:ext>
+    </p:extLst>
+  </p:cSld>
+  <p:clrMapOvr>
+    <a:masterClrMapping/>
+  </p:clrMapOvr>
+</p:sld>
+</file>
+
+<file path=ppt/slides/slide5.xml><?xml version="1.0" encoding="utf-8"?>
+<p:sld xmlns:a="http://schemas.openxmlformats.org/drawingml/2006/main" xmlns:r="http://schemas.openxmlformats.org/officeDocument/2006/relationships" xmlns:p="http://schemas.openxmlformats.org/presentationml/2006/main">
+  <p:cSld>
+    <p:spTree>
+      <p:nvGrpSpPr>
+        <p:cNvPr id="1" name=""/>
+        <p:cNvGrpSpPr/>
+        <p:nvPr/>
+      </p:nvGrpSpPr>
+      <p:grpSpPr>
+        <a:xfrm>
+          <a:off x="0" y="0"/>
+          <a:ext cx="0" cy="0"/>
+          <a:chOff x="0" y="0"/>
+          <a:chExt cx="0" cy="0"/>
+        </a:xfrm>
+      </p:grpSpPr>
+      <p:pic>
+        <p:nvPicPr>
+          <p:cNvPr id="14" name="Grafik 13"/>
+          <p:cNvPicPr>
+            <a:picLocks noChangeAspect="1"/>
+          </p:cNvPicPr>
+          <p:nvPr/>
+        </p:nvPicPr>
+        <p:blipFill>
+          <a:blip r:embed="rId2" cstate="print">
+            <a:extLst>
+              <a:ext uri="{28A0092B-C50C-407E-A947-70E740481C1C}">
+                <a14:useLocalDpi xmlns:a14="http://schemas.microsoft.com/office/drawing/2010/main" val="0"/>
+              </a:ext>
+            </a:extLst>
+          </a:blip>
+          <a:stretch>
+            <a:fillRect/>
+          </a:stretch>
+        </p:blipFill>
+        <p:spPr>
+          <a:xfrm>
+            <a:off x="205317" y="246984"/>
+            <a:ext cx="2009775" cy="963352"/>
+          </a:xfrm>
+          <a:prstGeom prst="rect">
+            <a:avLst/>
+          </a:prstGeom>
+        </p:spPr>
+      </p:pic>
+      <p:sp>
+        <p:nvSpPr>
+          <p:cNvPr id="4" name="Textfeld 3">
+            <a:extLst>
+              <a:ext uri="{FF2B5EF4-FFF2-40B4-BE49-F238E27FC236}">
+                <a16:creationId xmlns:a16="http://schemas.microsoft.com/office/drawing/2014/main" id="{32CE8B54-E569-4CF4-8567-88639142CE1A}"/>
+              </a:ext>
+            </a:extLst>
+          </p:cNvPr>
+          <p:cNvSpPr txBox="1"/>
+          <p:nvPr/>
+        </p:nvSpPr>
+        <p:spPr>
+          <a:xfrm>
+            <a:off x="2745316" y="384836"/>
+            <a:ext cx="7636934" cy="830997"/>
+          </a:xfrm>
+          <a:prstGeom prst="rect">
+            <a:avLst/>
+          </a:prstGeom>
+          <a:noFill/>
+        </p:spPr>
+        <p:txBody>
+          <a:bodyPr wrap="square" rtlCol="0">
+            <a:spAutoFit/>
+          </a:bodyPr>
+          <a:lstStyle/>
+          <a:p>
+            <a:pPr algn="l"/>
+            <a:r>
+              <a:rPr lang="de-DE" sz="4800" dirty="0">
+                <a:solidFill>
+                  <a:schemeClr val="bg1"/>
+                </a:solidFill>
+                <a:latin typeface="Candara" panose="020E0502030303020204" pitchFamily="34" charset="0"/>
+              </a:rPr>
+              <a:t>Technische Spezifikationen</a:t>
+            </a:r>
+          </a:p>
+        </p:txBody>
+      </p:sp>
+      <p:sp>
+        <p:nvSpPr>
+          <p:cNvPr id="5" name="Textfeld 4">
+            <a:extLst>
+              <a:ext uri="{FF2B5EF4-FFF2-40B4-BE49-F238E27FC236}">
+                <a16:creationId xmlns:a16="http://schemas.microsoft.com/office/drawing/2014/main" id="{A8141F27-3B71-4596-B36C-BF2420012A8F}"/>
+              </a:ext>
+            </a:extLst>
+          </p:cNvPr>
+          <p:cNvSpPr txBox="1"/>
+          <p:nvPr/>
+        </p:nvSpPr>
+        <p:spPr>
+          <a:xfrm>
+            <a:off x="914401" y="1989666"/>
+            <a:ext cx="10674349" cy="830997"/>
+          </a:xfrm>
+          <a:prstGeom prst="rect">
+            <a:avLst/>
+          </a:prstGeom>
+          <a:noFill/>
+        </p:spPr>
+        <p:txBody>
+          <a:bodyPr wrap="square" rtlCol="0">
+            <a:spAutoFit/>
+          </a:bodyPr>
+          <a:lstStyle/>
+          <a:p>
+            <a:pPr marL="685800" indent="-685800" algn="l">
+              <a:buFont typeface="Arial" panose="020B0604020202020204" pitchFamily="34" charset="0"/>
+              <a:buChar char="•"/>
+            </a:pPr>
+            <a:endParaRPr lang="de-DE" sz="4800" dirty="0">
+              <a:solidFill>
+                <a:schemeClr val="bg1"/>
+              </a:solidFill>
+              <a:latin typeface="Candara Light" panose="020E0502030303020204" pitchFamily="34" charset="0"/>
+            </a:endParaRPr>
+          </a:p>
+        </p:txBody>
+      </p:sp>
+      <p:sp>
+        <p:nvSpPr>
+          <p:cNvPr id="2" name="Textfeld 1">
+            <a:extLst>
+              <a:ext uri="{FF2B5EF4-FFF2-40B4-BE49-F238E27FC236}">
+                <a16:creationId xmlns:a16="http://schemas.microsoft.com/office/drawing/2014/main" id="{0F49D815-DFAD-48C5-99E6-701D81E40FAE}"/>
+              </a:ext>
+            </a:extLst>
+          </p:cNvPr>
+          <p:cNvSpPr txBox="1"/>
+          <p:nvPr/>
+        </p:nvSpPr>
+        <p:spPr>
+          <a:xfrm>
+            <a:off x="914401" y="1989666"/>
+            <a:ext cx="10674349" cy="2308324"/>
+          </a:xfrm>
+          <a:prstGeom prst="rect">
+            <a:avLst/>
+          </a:prstGeom>
+          <a:noFill/>
+        </p:spPr>
+        <p:txBody>
+          <a:bodyPr wrap="square" rtlCol="0">
+            <a:spAutoFit/>
+          </a:bodyPr>
+          <a:lstStyle/>
+          <a:p>
+            <a:pPr marL="685800" indent="-685800" algn="l">
+              <a:buFont typeface="Arial" panose="020B0604020202020204" pitchFamily="34" charset="0"/>
+              <a:buChar char="•"/>
+            </a:pPr>
+            <a:r>
+              <a:rPr lang="de-DE" sz="4800" dirty="0">
+                <a:solidFill>
+                  <a:schemeClr val="bg1"/>
+                </a:solidFill>
+                <a:latin typeface="Candara Light" panose="020E0502030303020204" pitchFamily="34" charset="0"/>
+              </a:rPr>
+              <a:t>Weboberfläche: HTML, PHP, CSS und JavaScript</a:t>
+            </a:r>
+          </a:p>
+          <a:p>
+            <a:pPr marL="685800" indent="-685800" algn="l">
+              <a:buFont typeface="Arial" panose="020B0604020202020204" pitchFamily="34" charset="0"/>
+              <a:buChar char="•"/>
+            </a:pPr>
+            <a:r>
+              <a:rPr lang="de-DE" sz="4800" dirty="0">
+                <a:solidFill>
+                  <a:schemeClr val="bg1"/>
+                </a:solidFill>
+                <a:latin typeface="Candara Light" panose="020E0502030303020204" pitchFamily="34" charset="0"/>
+              </a:rPr>
+              <a:t>Datenbank: MySQL </a:t>
+            </a:r>
+          </a:p>
+        </p:txBody>
+      </p:sp>
+    </p:spTree>
+    <p:extLst>
+      <p:ext uri="{BB962C8B-B14F-4D97-AF65-F5344CB8AC3E}">
+        <p14:creationId xmlns:p14="http://schemas.microsoft.com/office/powerpoint/2010/main" val="640280450"/>
+      </p:ext>
+    </p:extLst>
+  </p:cSld>
+  <p:clrMapOvr>
+    <a:masterClrMapping/>
+  </p:clrMapOvr>
+</p:sld>
+</file>
+
+<file path=ppt/slides/slide6.xml><?xml version="1.0" encoding="utf-8"?>
+<p:sld xmlns:a="http://schemas.openxmlformats.org/drawingml/2006/main" xmlns:r="http://schemas.openxmlformats.org/officeDocument/2006/relationships" xmlns:p="http://schemas.openxmlformats.org/presentationml/2006/main">
+  <p:cSld>
+    <p:bg>
+      <p:bgPr>
+        <a:solidFill>
+          <a:schemeClr val="bg1"/>
+        </a:solidFill>
+        <a:effectLst/>
+      </p:bgPr>
+    </p:bg>
+    <p:spTree>
+      <p:nvGrpSpPr>
+        <p:cNvPr id="1" name=""/>
+        <p:cNvGrpSpPr/>
+        <p:nvPr/>
+      </p:nvGrpSpPr>
+      <p:grpSpPr>
+        <a:xfrm>
+          <a:off x="0" y="0"/>
+          <a:ext cx="0" cy="0"/>
+          <a:chOff x="0" y="0"/>
+          <a:chExt cx="0" cy="0"/>
+        </a:xfrm>
+      </p:grpSpPr>
+      <p:sp>
+        <p:nvSpPr>
+          <p:cNvPr id="5" name="Textfeld 4">
+            <a:extLst>
+              <a:ext uri="{FF2B5EF4-FFF2-40B4-BE49-F238E27FC236}">
+                <a16:creationId xmlns:a16="http://schemas.microsoft.com/office/drawing/2014/main" id="{A8141F27-3B71-4596-B36C-BF2420012A8F}"/>
+              </a:ext>
+            </a:extLst>
+          </p:cNvPr>
+          <p:cNvSpPr txBox="1"/>
+          <p:nvPr/>
+        </p:nvSpPr>
+        <p:spPr>
+          <a:xfrm>
+            <a:off x="1401235" y="990592"/>
+            <a:ext cx="10674349" cy="830997"/>
+          </a:xfrm>
+          <a:prstGeom prst="rect">
+            <a:avLst/>
+          </a:prstGeom>
+          <a:noFill/>
+        </p:spPr>
+        <p:txBody>
+          <a:bodyPr wrap="square" rtlCol="0">
+            <a:spAutoFit/>
+          </a:bodyPr>
+          <a:lstStyle/>
+          <a:p>
+            <a:pPr marL="685800" indent="-685800" algn="l">
+              <a:buFont typeface="Arial" panose="020B0604020202020204" pitchFamily="34" charset="0"/>
+              <a:buChar char="•"/>
+            </a:pPr>
+            <a:endParaRPr lang="de-DE" sz="4800" dirty="0">
+              <a:solidFill>
+                <a:schemeClr val="bg1"/>
+              </a:solidFill>
+              <a:latin typeface="Candara Light" panose="020E0502030303020204" pitchFamily="34" charset="0"/>
+            </a:endParaRPr>
+          </a:p>
+        </p:txBody>
+      </p:sp>
+      <p:pic>
+        <p:nvPicPr>
+          <p:cNvPr id="8" name="Grafik 7">
+            <a:extLst>
+              <a:ext uri="{FF2B5EF4-FFF2-40B4-BE49-F238E27FC236}">
+                <a16:creationId xmlns:a16="http://schemas.microsoft.com/office/drawing/2014/main" id="{3DC2C5C5-5EC3-4253-BDB4-FC63641ECC4F}"/>
+              </a:ext>
+            </a:extLst>
+          </p:cNvPr>
+          <p:cNvPicPr>
+            <a:picLocks noChangeAspect="1"/>
+          </p:cNvPicPr>
+          <p:nvPr/>
+        </p:nvPicPr>
+        <p:blipFill rotWithShape="1">
+          <a:blip r:embed="rId2"/>
+          <a:srcRect l="8399" t="11538" r="7056" b="16299"/>
+          <a:stretch/>
+        </p:blipFill>
+        <p:spPr>
+          <a:xfrm>
+            <a:off x="1026623" y="284688"/>
+            <a:ext cx="10422686" cy="6288623"/>
+          </a:xfrm>
+          <a:prstGeom prst="rect">
+            <a:avLst/>
+          </a:prstGeom>
+        </p:spPr>
+      </p:pic>
+    </p:spTree>
+    <p:extLst>
+      <p:ext uri="{BB962C8B-B14F-4D97-AF65-F5344CB8AC3E}">
+        <p14:creationId xmlns:p14="http://schemas.microsoft.com/office/powerpoint/2010/main" val="4192436266"/>
+      </p:ext>
+    </p:extLst>
+  </p:cSld>
+  <p:clrMapOvr>
+    <a:masterClrMapping/>
+  </p:clrMapOvr>
+</p:sld>
+</file>
+
+<file path=ppt/slides/slide7.xml><?xml version="1.0" encoding="utf-8"?>
+<p:sld xmlns:a="http://schemas.openxmlformats.org/drawingml/2006/main" xmlns:r="http://schemas.openxmlformats.org/officeDocument/2006/relationships" xmlns:p="http://schemas.openxmlformats.org/presentationml/2006/main">
+  <p:cSld>
+    <p:bg>
+      <p:bgPr>
+        <a:solidFill>
+          <a:schemeClr val="bg1"/>
+        </a:solidFill>
+        <a:effectLst/>
+      </p:bgPr>
+    </p:bg>
+    <p:spTree>
+      <p:nvGrpSpPr>
+        <p:cNvPr id="1" name=""/>
+        <p:cNvGrpSpPr/>
+        <p:nvPr/>
+      </p:nvGrpSpPr>
+      <p:grpSpPr>
+        <a:xfrm>
+          <a:off x="0" y="0"/>
+          <a:ext cx="0" cy="0"/>
+          <a:chOff x="0" y="0"/>
+          <a:chExt cx="0" cy="0"/>
+        </a:xfrm>
+      </p:grpSpPr>
+      <p:sp>
+        <p:nvSpPr>
+          <p:cNvPr id="5" name="Textfeld 4">
+            <a:extLst>
+              <a:ext uri="{FF2B5EF4-FFF2-40B4-BE49-F238E27FC236}">
+                <a16:creationId xmlns:a16="http://schemas.microsoft.com/office/drawing/2014/main" id="{A8141F27-3B71-4596-B36C-BF2420012A8F}"/>
+              </a:ext>
+            </a:extLst>
+          </p:cNvPr>
+          <p:cNvSpPr txBox="1"/>
+          <p:nvPr/>
+        </p:nvSpPr>
+        <p:spPr>
+          <a:xfrm>
+            <a:off x="1401235" y="990592"/>
+            <a:ext cx="10674349" cy="830997"/>
+          </a:xfrm>
+          <a:prstGeom prst="rect">
+            <a:avLst/>
+          </a:prstGeom>
+          <a:noFill/>
+        </p:spPr>
+        <p:txBody>
+          <a:bodyPr wrap="square" rtlCol="0">
+            <a:spAutoFit/>
+          </a:bodyPr>
+          <a:lstStyle/>
+          <a:p>
+            <a:pPr marL="685800" indent="-685800" algn="l">
+              <a:buFont typeface="Arial" panose="020B0604020202020204" pitchFamily="34" charset="0"/>
+              <a:buChar char="•"/>
+            </a:pPr>
+            <a:endParaRPr lang="de-DE" sz="4800" dirty="0">
+              <a:solidFill>
+                <a:schemeClr val="bg1"/>
+              </a:solidFill>
+              <a:latin typeface="Candara Light" panose="020E0502030303020204" pitchFamily="34" charset="0"/>
+            </a:endParaRPr>
+          </a:p>
+        </p:txBody>
+      </p:sp>
+      <p:pic>
+        <p:nvPicPr>
+          <p:cNvPr id="10" name="Grafik 9">
+            <a:extLst>
+              <a:ext uri="{FF2B5EF4-FFF2-40B4-BE49-F238E27FC236}">
+                <a16:creationId xmlns:a16="http://schemas.microsoft.com/office/drawing/2014/main" id="{E4A1244A-3F0D-49BC-9B63-A0422882D00A}"/>
+              </a:ext>
+            </a:extLst>
+          </p:cNvPr>
+          <p:cNvPicPr>
+            <a:picLocks noChangeAspect="1"/>
+          </p:cNvPicPr>
+          <p:nvPr/>
+        </p:nvPicPr>
+        <p:blipFill rotWithShape="1">
+          <a:blip r:embed="rId2"/>
+          <a:srcRect b="7315"/>
+          <a:stretch/>
+        </p:blipFill>
+        <p:spPr>
+          <a:xfrm>
+            <a:off x="0" y="301681"/>
+            <a:ext cx="12197325" cy="6101236"/>
+          </a:xfrm>
+          <a:prstGeom prst="rect">
+            <a:avLst/>
+          </a:prstGeom>
+        </p:spPr>
+      </p:pic>
+    </p:spTree>
+    <p:extLst>
+      <p:ext uri="{BB962C8B-B14F-4D97-AF65-F5344CB8AC3E}">
+        <p14:creationId xmlns:p14="http://schemas.microsoft.com/office/powerpoint/2010/main" val="1714199869"/>
+      </p:ext>
+    </p:extLst>
+  </p:cSld>
+  <p:clrMapOvr>
+    <a:masterClrMapping/>
+  </p:clrMapOvr>
+</p:sld>
+</file>
+
+<file path=ppt/slides/slide8.xml><?xml version="1.0" encoding="utf-8"?>
+<p:sld xmlns:a="http://schemas.openxmlformats.org/drawingml/2006/main" xmlns:r="http://schemas.openxmlformats.org/officeDocument/2006/relationships" xmlns:p="http://schemas.openxmlformats.org/presentationml/2006/main">
+  <p:cSld>
+    <p:spTree>
+      <p:nvGrpSpPr>
+        <p:cNvPr id="1" name=""/>
+        <p:cNvGrpSpPr/>
+        <p:nvPr/>
+      </p:nvGrpSpPr>
+      <p:grpSpPr>
+        <a:xfrm>
+          <a:off x="0" y="0"/>
+          <a:ext cx="0" cy="0"/>
+          <a:chOff x="0" y="0"/>
+          <a:chExt cx="0" cy="0"/>
+        </a:xfrm>
+      </p:grpSpPr>
+      <p:pic>
+        <p:nvPicPr>
+          <p:cNvPr id="14" name="Grafik 13"/>
+          <p:cNvPicPr>
+            <a:picLocks noChangeAspect="1"/>
+          </p:cNvPicPr>
+          <p:nvPr/>
+        </p:nvPicPr>
+        <p:blipFill>
+          <a:blip r:embed="rId2" cstate="print">
+            <a:extLst>
+              <a:ext uri="{28A0092B-C50C-407E-A947-70E740481C1C}">
+                <a14:useLocalDpi xmlns:a14="http://schemas.microsoft.com/office/drawing/2010/main" val="0"/>
+              </a:ext>
+            </a:extLst>
+          </a:blip>
+          <a:stretch>
+            <a:fillRect/>
+          </a:stretch>
+        </p:blipFill>
+        <p:spPr>
+          <a:xfrm>
+            <a:off x="205317" y="246984"/>
+            <a:ext cx="2009775" cy="963352"/>
+          </a:xfrm>
+          <a:prstGeom prst="rect">
+            <a:avLst/>
+          </a:prstGeom>
+        </p:spPr>
+      </p:pic>
+      <p:sp>
+        <p:nvSpPr>
+          <p:cNvPr id="4" name="Textfeld 3">
+            <a:extLst>
+              <a:ext uri="{FF2B5EF4-FFF2-40B4-BE49-F238E27FC236}">
+                <a16:creationId xmlns:a16="http://schemas.microsoft.com/office/drawing/2014/main" id="{32CE8B54-E569-4CF4-8567-88639142CE1A}"/>
+              </a:ext>
+            </a:extLst>
+          </p:cNvPr>
+          <p:cNvSpPr txBox="1"/>
+          <p:nvPr/>
+        </p:nvSpPr>
+        <p:spPr>
+          <a:xfrm>
+            <a:off x="2745316" y="384836"/>
+            <a:ext cx="7636934" cy="830997"/>
+          </a:xfrm>
+          <a:prstGeom prst="rect">
+            <a:avLst/>
+          </a:prstGeom>
+          <a:noFill/>
+        </p:spPr>
+        <p:txBody>
+          <a:bodyPr wrap="square" rtlCol="0">
+            <a:spAutoFit/>
+          </a:bodyPr>
+          <a:lstStyle/>
+          <a:p>
+            <a:pPr algn="l"/>
+            <a:r>
+              <a:rPr lang="de-DE" sz="4800" dirty="0">
+                <a:solidFill>
+                  <a:schemeClr val="bg1"/>
+                </a:solidFill>
+                <a:latin typeface="Candara" panose="020E0502030303020204" pitchFamily="34" charset="0"/>
+              </a:rPr>
+              <a:t>Reflektion</a:t>
+            </a:r>
+          </a:p>
+        </p:txBody>
+      </p:sp>
+      <p:sp>
+        <p:nvSpPr>
+          <p:cNvPr id="5" name="Textfeld 4">
+            <a:extLst>
+              <a:ext uri="{FF2B5EF4-FFF2-40B4-BE49-F238E27FC236}">
+                <a16:creationId xmlns:a16="http://schemas.microsoft.com/office/drawing/2014/main" id="{A8141F27-3B71-4596-B36C-BF2420012A8F}"/>
+              </a:ext>
+            </a:extLst>
+          </p:cNvPr>
+          <p:cNvSpPr txBox="1"/>
+          <p:nvPr/>
+        </p:nvSpPr>
+        <p:spPr>
+          <a:xfrm>
+            <a:off x="914401" y="1989666"/>
+            <a:ext cx="10674349" cy="830997"/>
+          </a:xfrm>
+          <a:prstGeom prst="rect">
+            <a:avLst/>
+          </a:prstGeom>
+          <a:noFill/>
+        </p:spPr>
+        <p:txBody>
+          <a:bodyPr wrap="square" rtlCol="0">
+            <a:spAutoFit/>
+          </a:bodyPr>
+          <a:lstStyle/>
+          <a:p>
+            <a:pPr marL="685800" indent="-685800" algn="l">
+              <a:buFont typeface="Arial" panose="020B0604020202020204" pitchFamily="34" charset="0"/>
+              <a:buChar char="•"/>
+            </a:pPr>
+            <a:endParaRPr lang="de-DE" sz="4800" dirty="0">
+              <a:solidFill>
+                <a:schemeClr val="bg1"/>
+              </a:solidFill>
+              <a:latin typeface="Candara Light" panose="020E0502030303020204" pitchFamily="34" charset="0"/>
+            </a:endParaRPr>
+          </a:p>
+        </p:txBody>
+      </p:sp>
+    </p:spTree>
+    <p:extLst>
+      <p:ext uri="{BB962C8B-B14F-4D97-AF65-F5344CB8AC3E}">
+        <p14:creationId xmlns:p14="http://schemas.microsoft.com/office/powerpoint/2010/main" val="2319954707"/>
+      </p:ext>
+    </p:extLst>
+  </p:cSld>
+  <p:clrMapOvr>
+    <a:masterClrMapping/>
+  </p:clrMapOvr>
 </p:sld>
 </file>
 
